--- a/Data Mining Modules/Presentations/Predictive Analysis.pptx
+++ b/Data Mining Modules/Presentations/Predictive Analysis.pptx
@@ -9,10 +9,10 @@
     <p:sldMasterId id="2147493482" r:id="rId8"/>
   </p:sldMasterIdLst>
   <p:notesMasterIdLst>
-    <p:notesMasterId r:id="rId44"/>
+    <p:notesMasterId r:id="rId46"/>
   </p:notesMasterIdLst>
   <p:handoutMasterIdLst>
-    <p:handoutMasterId r:id="rId45"/>
+    <p:handoutMasterId r:id="rId47"/>
   </p:handoutMasterIdLst>
   <p:sldIdLst>
     <p:sldId id="256" r:id="rId9"/>
@@ -46,10 +46,12 @@
     <p:sldId id="405" r:id="rId37"/>
     <p:sldId id="406" r:id="rId38"/>
     <p:sldId id="403" r:id="rId39"/>
-    <p:sldId id="407" r:id="rId40"/>
-    <p:sldId id="408" r:id="rId41"/>
-    <p:sldId id="404" r:id="rId42"/>
-    <p:sldId id="260" r:id="rId43"/>
+    <p:sldId id="409" r:id="rId40"/>
+    <p:sldId id="410" r:id="rId41"/>
+    <p:sldId id="407" r:id="rId42"/>
+    <p:sldId id="408" r:id="rId43"/>
+    <p:sldId id="404" r:id="rId44"/>
+    <p:sldId id="260" r:id="rId45"/>
   </p:sldIdLst>
   <p:sldSz cx="9144000" cy="5143500" type="screen16x9"/>
   <p:notesSz cx="6858000" cy="9144000"/>
@@ -249,7 +251,7 @@
           <a:p>
             <a:fld id="{AE9B8EC5-1D92-5647-9CE5-0E7945A98D2B}" type="datetimeFigureOut">
               <a:rPr lang="en-US" smtClean="0"/>
-              <a:t>5/26/2020</a:t>
+              <a:t>6/1/2020</a:t>
             </a:fld>
             <a:endParaRPr lang="en-US"/>
           </a:p>
@@ -415,7 +417,7 @@
           <a:p>
             <a:fld id="{CC64AB9B-A9BF-A14F-8C05-D5A3923814EE}" type="datetimeFigureOut">
               <a:rPr lang="en-US" smtClean="0"/>
-              <a:t>5/26/2020</a:t>
+              <a:t>6/1/2020</a:t>
             </a:fld>
             <a:endParaRPr lang="en-US"/>
           </a:p>
@@ -8393,7 +8395,7 @@
         </p:blipFill>
         <p:spPr>
           <a:xfrm>
-            <a:off x="5151451" y="1510082"/>
+            <a:off x="5151451" y="1341013"/>
             <a:ext cx="3360711" cy="2461473"/>
           </a:xfrm>
           <a:prstGeom prst="rect">
@@ -10649,50 +10651,209 @@
           <a:chExt cx="0" cy="0"/>
         </a:xfrm>
       </p:grpSpPr>
-      <p:sp>
-        <p:nvSpPr>
-          <p:cNvPr id="6" name="Subtitle 5">
-            <a:extLst>
-              <a:ext uri="{FF2B5EF4-FFF2-40B4-BE49-F238E27FC236}">
-                <a16:creationId xmlns:a16="http://schemas.microsoft.com/office/drawing/2014/main" id="{FECA52CE-B1FA-4A18-8EEA-7A5F6C8B083C}"/>
-              </a:ext>
-            </a:extLst>
-          </p:cNvPr>
-          <p:cNvSpPr>
-            <a:spLocks noGrp="1"/>
-          </p:cNvSpPr>
-          <p:nvPr>
-            <p:ph type="subTitle" idx="1"/>
-          </p:nvPr>
-        </p:nvSpPr>
-        <p:spPr/>
-        <p:txBody>
-          <a:bodyPr/>
-          <a:lstStyle/>
-          <a:p>
-            <a:pPr marL="342900" indent="-342900">
-              <a:buFont typeface="Arial" panose="020B0604020202020204" pitchFamily="34" charset="0"/>
-              <a:buChar char="•"/>
-            </a:pPr>
-            <a:r>
-              <a:rPr lang="en-US" dirty="0"/>
-              <a:t>Accuracy</a:t>
-            </a:r>
-            <a:endParaRPr lang="en-US" dirty="0">
-              <a:solidFill>
-                <a:srgbClr val="767676"/>
-              </a:solidFill>
-            </a:endParaRPr>
-          </a:p>
-          <a:p>
-            <a:pPr marL="342900" indent="-342900">
-              <a:buFont typeface="Arial" panose="020B0604020202020204" pitchFamily="34" charset="0"/>
-              <a:buChar char="•"/>
-            </a:pPr>
-            <a:endParaRPr lang="en-US" dirty="0"/>
-          </a:p>
-        </p:txBody>
-      </p:sp>
+      <mc:AlternateContent xmlns:mc="http://schemas.openxmlformats.org/markup-compatibility/2006">
+        <mc:Choice xmlns:a14="http://schemas.microsoft.com/office/drawing/2010/main" Requires="a14">
+          <p:sp>
+            <p:nvSpPr>
+              <p:cNvPr id="6" name="Subtitle 5">
+                <a:extLst>
+                  <a:ext uri="{FF2B5EF4-FFF2-40B4-BE49-F238E27FC236}">
+                    <a16:creationId xmlns:a16="http://schemas.microsoft.com/office/drawing/2014/main" id="{FECA52CE-B1FA-4A18-8EEA-7A5F6C8B083C}"/>
+                  </a:ext>
+                </a:extLst>
+              </p:cNvPr>
+              <p:cNvSpPr>
+                <a:spLocks noGrp="1"/>
+              </p:cNvSpPr>
+              <p:nvPr>
+                <p:ph type="subTitle" idx="1"/>
+              </p:nvPr>
+            </p:nvSpPr>
+            <p:spPr/>
+            <p:txBody>
+              <a:bodyPr/>
+              <a:lstStyle/>
+              <a:p>
+                <a:pPr marL="342900" indent="-342900">
+                  <a:buFont typeface="Arial" panose="020B0604020202020204" pitchFamily="34" charset="0"/>
+                  <a:buChar char="•"/>
+                </a:pPr>
+                <a:r>
+                  <a:rPr lang="en-US" dirty="0"/>
+                  <a:t>Accuracy – measures how often your model makes the correct prediction</a:t>
+                </a:r>
+              </a:p>
+              <a:p>
+                <a:pPr marL="342900" indent="-342900">
+                  <a:buFont typeface="Arial" panose="020B0604020202020204" pitchFamily="34" charset="0"/>
+                  <a:buChar char="•"/>
+                </a:pPr>
+                <a14:m>
+                  <m:oMath xmlns:m="http://schemas.openxmlformats.org/officeDocument/2006/math">
+                    <m:f>
+                      <m:fPr>
+                        <m:ctrlPr>
+                          <a:rPr lang="en-US" b="0" i="1" smtClean="0">
+                            <a:latin typeface="Cambria Math" panose="02040503050406030204" pitchFamily="18" charset="0"/>
+                          </a:rPr>
+                        </m:ctrlPr>
+                      </m:fPr>
+                      <m:num>
+                        <m:d>
+                          <m:dPr>
+                            <m:ctrlPr>
+                              <a:rPr lang="en-US" b="0" i="1" smtClean="0">
+                                <a:latin typeface="Cambria Math" panose="02040503050406030204" pitchFamily="18" charset="0"/>
+                              </a:rPr>
+                            </m:ctrlPr>
+                          </m:dPr>
+                          <m:e>
+                            <m:r>
+                              <a:rPr lang="en-US" b="0" i="1" smtClean="0">
+                                <a:latin typeface="Cambria Math" panose="02040503050406030204" pitchFamily="18" charset="0"/>
+                              </a:rPr>
+                              <m:t>𝑇𝑃</m:t>
+                            </m:r>
+                            <m:r>
+                              <a:rPr lang="en-US" b="0" i="1" smtClean="0">
+                                <a:latin typeface="Cambria Math" panose="02040503050406030204" pitchFamily="18" charset="0"/>
+                              </a:rPr>
+                              <m:t>+</m:t>
+                            </m:r>
+                            <m:r>
+                              <a:rPr lang="en-US" b="0" i="1" smtClean="0">
+                                <a:latin typeface="Cambria Math" panose="02040503050406030204" pitchFamily="18" charset="0"/>
+                              </a:rPr>
+                              <m:t>𝑇𝑁</m:t>
+                            </m:r>
+                          </m:e>
+                        </m:d>
+                      </m:num>
+                      <m:den>
+                        <m:r>
+                          <a:rPr lang="en-US" b="0" i="1" smtClean="0">
+                            <a:latin typeface="Cambria Math" panose="02040503050406030204" pitchFamily="18" charset="0"/>
+                          </a:rPr>
+                          <m:t>𝑇𝑜𝑡𝑎𝑙</m:t>
+                        </m:r>
+                      </m:den>
+                    </m:f>
+                  </m:oMath>
+                </a14:m>
+                <a:r>
+                  <a:rPr lang="en-US" dirty="0"/>
+                  <a:t> = </a:t>
+                </a:r>
+                <a14:m>
+                  <m:oMath xmlns:m="http://schemas.openxmlformats.org/officeDocument/2006/math">
+                    <m:f>
+                      <m:fPr>
+                        <m:ctrlPr>
+                          <a:rPr lang="en-US" i="1">
+                            <a:latin typeface="Cambria Math" panose="02040503050406030204" pitchFamily="18" charset="0"/>
+                          </a:rPr>
+                        </m:ctrlPr>
+                      </m:fPr>
+                      <m:num>
+                        <m:d>
+                          <m:dPr>
+                            <m:ctrlPr>
+                              <a:rPr lang="en-US" i="1">
+                                <a:latin typeface="Cambria Math" panose="02040503050406030204" pitchFamily="18" charset="0"/>
+                              </a:rPr>
+                            </m:ctrlPr>
+                          </m:dPr>
+                          <m:e>
+                            <m:r>
+                              <a:rPr lang="en-US" i="1">
+                                <a:latin typeface="Cambria Math" panose="02040503050406030204" pitchFamily="18" charset="0"/>
+                              </a:rPr>
+                              <m:t>100 </m:t>
+                            </m:r>
+                            <m:r>
+                              <a:rPr lang="en-US" i="1">
+                                <a:latin typeface="Cambria Math" panose="02040503050406030204" pitchFamily="18" charset="0"/>
+                              </a:rPr>
+                              <m:t>+</m:t>
+                            </m:r>
+                            <m:r>
+                              <a:rPr lang="en-US" i="1">
+                                <a:latin typeface="Cambria Math" panose="02040503050406030204" pitchFamily="18" charset="0"/>
+                              </a:rPr>
+                              <m:t>50</m:t>
+                            </m:r>
+                          </m:e>
+                        </m:d>
+                      </m:num>
+                      <m:den>
+                        <m:r>
+                          <a:rPr lang="en-US" i="1">
+                            <a:latin typeface="Cambria Math" panose="02040503050406030204" pitchFamily="18" charset="0"/>
+                          </a:rPr>
+                          <m:t>100+50+10+5</m:t>
+                        </m:r>
+                      </m:den>
+                    </m:f>
+                  </m:oMath>
+                </a14:m>
+                <a:r>
+                  <a:rPr lang="en-US" dirty="0"/>
+                  <a:t> = 0.91</a:t>
+                </a:r>
+              </a:p>
+              <a:p>
+                <a:pPr marL="342900" indent="-342900">
+                  <a:buFont typeface="Arial" panose="020B0604020202020204" pitchFamily="34" charset="0"/>
+                  <a:buChar char="•"/>
+                </a:pPr>
+                <a:r>
+                  <a:rPr lang="en-US" dirty="0"/>
+                  <a:t>The model has an accuracy of 91%</a:t>
+                </a:r>
+              </a:p>
+            </p:txBody>
+          </p:sp>
+        </mc:Choice>
+        <mc:Fallback>
+          <p:sp>
+            <p:nvSpPr>
+              <p:cNvPr id="6" name="Subtitle 5">
+                <a:extLst>
+                  <a:ext uri="{FF2B5EF4-FFF2-40B4-BE49-F238E27FC236}">
+                    <a16:creationId xmlns:a16="http://schemas.microsoft.com/office/drawing/2014/main" id="{FECA52CE-B1FA-4A18-8EEA-7A5F6C8B083C}"/>
+                  </a:ext>
+                </a:extLst>
+              </p:cNvPr>
+              <p:cNvSpPr>
+                <a:spLocks noGrp="1" noRot="1" noChangeAspect="1" noMove="1" noResize="1" noEditPoints="1" noAdjustHandles="1" noChangeArrowheads="1" noChangeShapeType="1" noTextEdit="1"/>
+              </p:cNvSpPr>
+              <p:nvPr>
+                <p:ph type="subTitle" idx="1"/>
+              </p:nvPr>
+            </p:nvSpPr>
+            <p:spPr>
+              <a:blipFill>
+                <a:blip r:embed="rId2"/>
+                <a:stretch>
+                  <a:fillRect l="-979" t="-1220"/>
+                </a:stretch>
+              </a:blipFill>
+            </p:spPr>
+            <p:txBody>
+              <a:bodyPr/>
+              <a:lstStyle/>
+              <a:p>
+                <a:r>
+                  <a:rPr lang="en-US">
+                    <a:noFill/>
+                  </a:rPr>
+                  <a:t> </a:t>
+                </a:r>
+              </a:p>
+            </p:txBody>
+          </p:sp>
+        </mc:Fallback>
+      </mc:AlternateContent>
       <p:sp>
         <p:nvSpPr>
           <p:cNvPr id="2" name="Title 1">
@@ -10767,13 +10928,13 @@
             <p:ph idx="4294967295"/>
             <p:extLst>
               <p:ext uri="{D42A27DB-BD31-4B8C-83A1-F6EECF244321}">
-                <p14:modId xmlns:p14="http://schemas.microsoft.com/office/powerpoint/2010/main" val="3307256212"/>
+                <p14:modId xmlns:p14="http://schemas.microsoft.com/office/powerpoint/2010/main" val="2862693349"/>
               </p:ext>
             </p:extLst>
           </p:nvPr>
         </p:nvGraphicFramePr>
         <p:xfrm>
-          <a:off x="2575560" y="2917708"/>
+          <a:off x="2712720" y="3032928"/>
           <a:ext cx="6096000" cy="1656080"/>
         </p:xfrm>
         <a:graphic>
@@ -11185,38 +11346,222 @@
           <a:chExt cx="0" cy="0"/>
         </a:xfrm>
       </p:grpSpPr>
-      <p:sp>
-        <p:nvSpPr>
-          <p:cNvPr id="6" name="Subtitle 5">
-            <a:extLst>
-              <a:ext uri="{FF2B5EF4-FFF2-40B4-BE49-F238E27FC236}">
-                <a16:creationId xmlns:a16="http://schemas.microsoft.com/office/drawing/2014/main" id="{FECA52CE-B1FA-4A18-8EEA-7A5F6C8B083C}"/>
-              </a:ext>
-            </a:extLst>
-          </p:cNvPr>
-          <p:cNvSpPr>
-            <a:spLocks noGrp="1"/>
-          </p:cNvSpPr>
-          <p:nvPr>
-            <p:ph type="subTitle" idx="1"/>
-          </p:nvPr>
-        </p:nvSpPr>
-        <p:spPr/>
-        <p:txBody>
-          <a:bodyPr/>
-          <a:lstStyle/>
-          <a:p>
-            <a:pPr marL="342900" indent="-342900">
-              <a:buFont typeface="Arial" panose="020B0604020202020204" pitchFamily="34" charset="0"/>
-              <a:buChar char="•"/>
-            </a:pPr>
-            <a:r>
-              <a:rPr lang="en-US" dirty="0"/>
-              <a:t>Sensitivity</a:t>
-            </a:r>
-          </a:p>
-        </p:txBody>
-      </p:sp>
+      <mc:AlternateContent xmlns:mc="http://schemas.openxmlformats.org/markup-compatibility/2006">
+        <mc:Choice xmlns:a14="http://schemas.microsoft.com/office/drawing/2010/main" Requires="a14">
+          <p:sp>
+            <p:nvSpPr>
+              <p:cNvPr id="6" name="Subtitle 5">
+                <a:extLst>
+                  <a:ext uri="{FF2B5EF4-FFF2-40B4-BE49-F238E27FC236}">
+                    <a16:creationId xmlns:a16="http://schemas.microsoft.com/office/drawing/2014/main" id="{FECA52CE-B1FA-4A18-8EEA-7A5F6C8B083C}"/>
+                  </a:ext>
+                </a:extLst>
+              </p:cNvPr>
+              <p:cNvSpPr>
+                <a:spLocks noGrp="1"/>
+              </p:cNvSpPr>
+              <p:nvPr>
+                <p:ph type="subTitle" idx="1"/>
+              </p:nvPr>
+            </p:nvSpPr>
+            <p:spPr/>
+            <p:txBody>
+              <a:bodyPr/>
+              <a:lstStyle/>
+              <a:p>
+                <a:pPr marL="342900" indent="-342900">
+                  <a:buFont typeface="Arial" panose="020B0604020202020204" pitchFamily="34" charset="0"/>
+                  <a:buChar char="•"/>
+                </a:pPr>
+                <a:r>
+                  <a:rPr lang="en-US" dirty="0"/>
+                  <a:t>Sensitivity – How often can the model correctly predict disease when there is actually a disease? </a:t>
+                </a:r>
+              </a:p>
+              <a:p>
+                <a:pPr marL="342900" indent="-342900">
+                  <a:buFont typeface="Arial" panose="020B0604020202020204" pitchFamily="34" charset="0"/>
+                  <a:buChar char="•"/>
+                </a:pPr>
+                <a14:m>
+                  <m:oMath xmlns:m="http://schemas.openxmlformats.org/officeDocument/2006/math">
+                    <m:f>
+                      <m:fPr>
+                        <m:ctrlPr>
+                          <a:rPr lang="en-US" i="1">
+                            <a:latin typeface="Cambria Math" panose="02040503050406030204" pitchFamily="18" charset="0"/>
+                          </a:rPr>
+                        </m:ctrlPr>
+                      </m:fPr>
+                      <m:num>
+                        <m:d>
+                          <m:dPr>
+                            <m:ctrlPr>
+                              <a:rPr lang="en-US" i="1">
+                                <a:latin typeface="Cambria Math" panose="02040503050406030204" pitchFamily="18" charset="0"/>
+                              </a:rPr>
+                            </m:ctrlPr>
+                          </m:dPr>
+                          <m:e>
+                            <m:r>
+                              <a:rPr lang="en-US" i="1">
+                                <a:latin typeface="Cambria Math" panose="02040503050406030204" pitchFamily="18" charset="0"/>
+                              </a:rPr>
+                              <m:t>𝑇𝑃</m:t>
+                            </m:r>
+                          </m:e>
+                        </m:d>
+                      </m:num>
+                      <m:den>
+                        <m:r>
+                          <a:rPr lang="en-US" b="0" i="1" smtClean="0">
+                            <a:latin typeface="Cambria Math" panose="02040503050406030204" pitchFamily="18" charset="0"/>
+                          </a:rPr>
+                          <m:t>(</m:t>
+                        </m:r>
+                        <m:r>
+                          <a:rPr lang="en-US" b="0" i="1" smtClean="0">
+                            <a:latin typeface="Cambria Math" panose="02040503050406030204" pitchFamily="18" charset="0"/>
+                          </a:rPr>
+                          <m:t>𝑇𝑃</m:t>
+                        </m:r>
+                        <m:r>
+                          <a:rPr lang="en-US" b="0" i="1" smtClean="0">
+                            <a:latin typeface="Cambria Math" panose="02040503050406030204" pitchFamily="18" charset="0"/>
+                          </a:rPr>
+                          <m:t>+</m:t>
+                        </m:r>
+                        <m:r>
+                          <a:rPr lang="en-US" b="0" i="1" smtClean="0">
+                            <a:latin typeface="Cambria Math" panose="02040503050406030204" pitchFamily="18" charset="0"/>
+                          </a:rPr>
+                          <m:t>𝐹𝑁</m:t>
+                        </m:r>
+                        <m:r>
+                          <a:rPr lang="en-US" b="0" i="1" smtClean="0">
+                            <a:latin typeface="Cambria Math" panose="02040503050406030204" pitchFamily="18" charset="0"/>
+                          </a:rPr>
+                          <m:t>)</m:t>
+                        </m:r>
+                      </m:den>
+                    </m:f>
+                  </m:oMath>
+                </a14:m>
+                <a:r>
+                  <a:rPr lang="en-US" dirty="0"/>
+                  <a:t> = </a:t>
+                </a:r>
+                <a14:m>
+                  <m:oMath xmlns:m="http://schemas.openxmlformats.org/officeDocument/2006/math">
+                    <m:f>
+                      <m:fPr>
+                        <m:ctrlPr>
+                          <a:rPr lang="en-US" i="1">
+                            <a:latin typeface="Cambria Math" panose="02040503050406030204" pitchFamily="18" charset="0"/>
+                          </a:rPr>
+                        </m:ctrlPr>
+                      </m:fPr>
+                      <m:num>
+                        <m:d>
+                          <m:dPr>
+                            <m:ctrlPr>
+                              <a:rPr lang="en-US" i="1">
+                                <a:latin typeface="Cambria Math" panose="02040503050406030204" pitchFamily="18" charset="0"/>
+                              </a:rPr>
+                            </m:ctrlPr>
+                          </m:dPr>
+                          <m:e>
+                            <m:r>
+                              <a:rPr lang="en-US" i="1">
+                                <a:latin typeface="Cambria Math" panose="02040503050406030204" pitchFamily="18" charset="0"/>
+                              </a:rPr>
+                              <m:t>100</m:t>
+                            </m:r>
+                          </m:e>
+                        </m:d>
+                      </m:num>
+                      <m:den>
+                        <m:r>
+                          <a:rPr lang="en-US" i="1">
+                            <a:latin typeface="Cambria Math" panose="02040503050406030204" pitchFamily="18" charset="0"/>
+                          </a:rPr>
+                          <m:t>100</m:t>
+                        </m:r>
+                        <m:r>
+                          <a:rPr lang="en-US" b="0" i="1" smtClean="0">
+                            <a:latin typeface="Cambria Math" panose="02040503050406030204" pitchFamily="18" charset="0"/>
+                          </a:rPr>
+                          <m:t>+10</m:t>
+                        </m:r>
+                      </m:den>
+                    </m:f>
+                  </m:oMath>
+                </a14:m>
+                <a:r>
+                  <a:rPr lang="en-US" dirty="0"/>
+                  <a:t> = 0.91</a:t>
+                </a:r>
+              </a:p>
+              <a:p>
+                <a:pPr marL="342900" indent="-342900">
+                  <a:buFont typeface="Arial" panose="020B0604020202020204" pitchFamily="34" charset="0"/>
+                  <a:buChar char="•"/>
+                </a:pPr>
+                <a:r>
+                  <a:rPr lang="en-US" dirty="0"/>
+                  <a:t>Sensitivity ranges from 0 - 1</a:t>
+                </a:r>
+              </a:p>
+              <a:p>
+                <a:pPr marL="342900" indent="-342900">
+                  <a:buFont typeface="Arial" panose="020B0604020202020204" pitchFamily="34" charset="0"/>
+                  <a:buChar char="•"/>
+                </a:pPr>
+                <a:endParaRPr lang="en-US" dirty="0"/>
+              </a:p>
+            </p:txBody>
+          </p:sp>
+        </mc:Choice>
+        <mc:Fallback>
+          <p:sp>
+            <p:nvSpPr>
+              <p:cNvPr id="6" name="Subtitle 5">
+                <a:extLst>
+                  <a:ext uri="{FF2B5EF4-FFF2-40B4-BE49-F238E27FC236}">
+                    <a16:creationId xmlns:a16="http://schemas.microsoft.com/office/drawing/2014/main" id="{FECA52CE-B1FA-4A18-8EEA-7A5F6C8B083C}"/>
+                  </a:ext>
+                </a:extLst>
+              </p:cNvPr>
+              <p:cNvSpPr>
+                <a:spLocks noGrp="1" noRot="1" noChangeAspect="1" noMove="1" noResize="1" noEditPoints="1" noAdjustHandles="1" noChangeArrowheads="1" noChangeShapeType="1" noTextEdit="1"/>
+              </p:cNvSpPr>
+              <p:nvPr>
+                <p:ph type="subTitle" idx="1"/>
+              </p:nvPr>
+            </p:nvSpPr>
+            <p:spPr>
+              <a:blipFill>
+                <a:blip r:embed="rId2"/>
+                <a:stretch>
+                  <a:fillRect l="-979" t="-1220"/>
+                </a:stretch>
+              </a:blipFill>
+            </p:spPr>
+            <p:txBody>
+              <a:bodyPr/>
+              <a:lstStyle/>
+              <a:p>
+                <a:r>
+                  <a:rPr lang="en-US">
+                    <a:noFill/>
+                  </a:rPr>
+                  <a:t> </a:t>
+                </a:r>
+              </a:p>
+            </p:txBody>
+          </p:sp>
+        </mc:Fallback>
+      </mc:AlternateContent>
       <p:sp>
         <p:nvSpPr>
           <p:cNvPr id="2" name="Title 1">
@@ -11865,35 +12210,227 @@
           <a:chExt cx="0" cy="0"/>
         </a:xfrm>
       </p:grpSpPr>
-      <p:sp>
-        <p:nvSpPr>
-          <p:cNvPr id="6" name="Subtitle 5">
-            <a:extLst>
-              <a:ext uri="{FF2B5EF4-FFF2-40B4-BE49-F238E27FC236}">
-                <a16:creationId xmlns:a16="http://schemas.microsoft.com/office/drawing/2014/main" id="{FECA52CE-B1FA-4A18-8EEA-7A5F6C8B083C}"/>
-              </a:ext>
-            </a:extLst>
-          </p:cNvPr>
-          <p:cNvSpPr>
-            <a:spLocks noGrp="1"/>
-          </p:cNvSpPr>
-          <p:nvPr>
-            <p:ph type="subTitle" idx="1"/>
-          </p:nvPr>
-        </p:nvSpPr>
-        <p:spPr/>
-        <p:txBody>
-          <a:bodyPr/>
-          <a:lstStyle/>
-          <a:p>
-            <a:pPr marL="342900" indent="-342900">
-              <a:buFont typeface="Arial" panose="020B0604020202020204" pitchFamily="34" charset="0"/>
-              <a:buChar char="•"/>
-            </a:pPr>
-            <a:endParaRPr lang="en-US" dirty="0"/>
-          </a:p>
-        </p:txBody>
-      </p:sp>
+      <mc:AlternateContent xmlns:mc="http://schemas.openxmlformats.org/markup-compatibility/2006">
+        <mc:Choice xmlns:a14="http://schemas.microsoft.com/office/drawing/2010/main" Requires="a14">
+          <p:sp>
+            <p:nvSpPr>
+              <p:cNvPr id="6" name="Subtitle 5">
+                <a:extLst>
+                  <a:ext uri="{FF2B5EF4-FFF2-40B4-BE49-F238E27FC236}">
+                    <a16:creationId xmlns:a16="http://schemas.microsoft.com/office/drawing/2014/main" id="{FECA52CE-B1FA-4A18-8EEA-7A5F6C8B083C}"/>
+                  </a:ext>
+                </a:extLst>
+              </p:cNvPr>
+              <p:cNvSpPr>
+                <a:spLocks noGrp="1"/>
+              </p:cNvSpPr>
+              <p:nvPr>
+                <p:ph type="subTitle" idx="1"/>
+              </p:nvPr>
+            </p:nvSpPr>
+            <p:spPr/>
+            <p:txBody>
+              <a:bodyPr/>
+              <a:lstStyle/>
+              <a:p>
+                <a:pPr marL="342900" indent="-342900">
+                  <a:buFont typeface="Arial" panose="020B0604020202020204" pitchFamily="34" charset="0"/>
+                  <a:buChar char="•"/>
+                </a:pPr>
+                <a:r>
+                  <a:rPr lang="en-US" dirty="0"/>
+                  <a:t>Specificty – How often can the model correctly predict no disease when there is actually no disease? </a:t>
+                </a:r>
+              </a:p>
+              <a:p>
+                <a:pPr marL="342900" indent="-342900">
+                  <a:buFont typeface="Arial" panose="020B0604020202020204" pitchFamily="34" charset="0"/>
+                  <a:buChar char="•"/>
+                </a:pPr>
+                <a14:m>
+                  <m:oMath xmlns:m="http://schemas.openxmlformats.org/officeDocument/2006/math">
+                    <m:f>
+                      <m:fPr>
+                        <m:ctrlPr>
+                          <a:rPr lang="en-US" i="1">
+                            <a:latin typeface="Cambria Math" panose="02040503050406030204" pitchFamily="18" charset="0"/>
+                          </a:rPr>
+                        </m:ctrlPr>
+                      </m:fPr>
+                      <m:num>
+                        <m:d>
+                          <m:dPr>
+                            <m:ctrlPr>
+                              <a:rPr lang="en-US" i="1">
+                                <a:latin typeface="Cambria Math" panose="02040503050406030204" pitchFamily="18" charset="0"/>
+                              </a:rPr>
+                            </m:ctrlPr>
+                          </m:dPr>
+                          <m:e>
+                            <m:r>
+                              <a:rPr lang="en-US" i="1">
+                                <a:latin typeface="Cambria Math" panose="02040503050406030204" pitchFamily="18" charset="0"/>
+                              </a:rPr>
+                              <m:t>𝑇</m:t>
+                            </m:r>
+                            <m:r>
+                              <a:rPr lang="en-US" b="0" i="1" smtClean="0">
+                                <a:latin typeface="Cambria Math" panose="02040503050406030204" pitchFamily="18" charset="0"/>
+                              </a:rPr>
+                              <m:t>𝑁</m:t>
+                            </m:r>
+                          </m:e>
+                        </m:d>
+                      </m:num>
+                      <m:den>
+                        <m:r>
+                          <a:rPr lang="en-US" i="1">
+                            <a:latin typeface="Cambria Math" panose="02040503050406030204" pitchFamily="18" charset="0"/>
+                          </a:rPr>
+                          <m:t>(</m:t>
+                        </m:r>
+                        <m:r>
+                          <a:rPr lang="en-US" i="1">
+                            <a:latin typeface="Cambria Math" panose="02040503050406030204" pitchFamily="18" charset="0"/>
+                          </a:rPr>
+                          <m:t>𝑇𝑁</m:t>
+                        </m:r>
+                        <m:r>
+                          <a:rPr lang="en-US" i="1">
+                            <a:latin typeface="Cambria Math" panose="02040503050406030204" pitchFamily="18" charset="0"/>
+                          </a:rPr>
+                          <m:t>+</m:t>
+                        </m:r>
+                        <m:r>
+                          <a:rPr lang="en-US" i="1">
+                            <a:latin typeface="Cambria Math" panose="02040503050406030204" pitchFamily="18" charset="0"/>
+                          </a:rPr>
+                          <m:t>𝐹𝑃</m:t>
+                        </m:r>
+                        <m:r>
+                          <a:rPr lang="en-US" i="1">
+                            <a:latin typeface="Cambria Math" panose="02040503050406030204" pitchFamily="18" charset="0"/>
+                          </a:rPr>
+                          <m:t>)</m:t>
+                        </m:r>
+                      </m:den>
+                    </m:f>
+                  </m:oMath>
+                </a14:m>
+                <a:r>
+                  <a:rPr lang="en-US" dirty="0"/>
+                  <a:t> = </a:t>
+                </a:r>
+                <a14:m>
+                  <m:oMath xmlns:m="http://schemas.openxmlformats.org/officeDocument/2006/math">
+                    <m:f>
+                      <m:fPr>
+                        <m:ctrlPr>
+                          <a:rPr lang="en-US" i="1">
+                            <a:latin typeface="Cambria Math" panose="02040503050406030204" pitchFamily="18" charset="0"/>
+                          </a:rPr>
+                        </m:ctrlPr>
+                      </m:fPr>
+                      <m:num>
+                        <m:d>
+                          <m:dPr>
+                            <m:ctrlPr>
+                              <a:rPr lang="en-US" i="1">
+                                <a:latin typeface="Cambria Math" panose="02040503050406030204" pitchFamily="18" charset="0"/>
+                              </a:rPr>
+                            </m:ctrlPr>
+                          </m:dPr>
+                          <m:e>
+                            <m:r>
+                              <a:rPr lang="en-US" b="0" i="1" smtClean="0">
+                                <a:latin typeface="Cambria Math" panose="02040503050406030204" pitchFamily="18" charset="0"/>
+                              </a:rPr>
+                              <m:t>50</m:t>
+                            </m:r>
+                          </m:e>
+                        </m:d>
+                      </m:num>
+                      <m:den>
+                        <m:r>
+                          <a:rPr lang="en-US" b="0" i="1" smtClean="0">
+                            <a:latin typeface="Cambria Math" panose="02040503050406030204" pitchFamily="18" charset="0"/>
+                          </a:rPr>
+                          <m:t>50</m:t>
+                        </m:r>
+                        <m:r>
+                          <a:rPr lang="en-US" i="1">
+                            <a:latin typeface="Cambria Math" panose="02040503050406030204" pitchFamily="18" charset="0"/>
+                          </a:rPr>
+                          <m:t>+</m:t>
+                        </m:r>
+                        <m:r>
+                          <a:rPr lang="en-US" b="0" i="1" smtClean="0">
+                            <a:latin typeface="Cambria Math" panose="02040503050406030204" pitchFamily="18" charset="0"/>
+                          </a:rPr>
+                          <m:t>5</m:t>
+                        </m:r>
+                      </m:den>
+                    </m:f>
+                  </m:oMath>
+                </a14:m>
+                <a:r>
+                  <a:rPr lang="en-US" dirty="0"/>
+                  <a:t> = 0.91</a:t>
+                </a:r>
+              </a:p>
+              <a:p>
+                <a:pPr marL="342900" indent="-342900">
+                  <a:buFont typeface="Arial" panose="020B0604020202020204" pitchFamily="34" charset="0"/>
+                  <a:buChar char="•"/>
+                </a:pPr>
+                <a:r>
+                  <a:rPr lang="en-US" dirty="0"/>
+                  <a:t>Sensitivity ranges from 0 - 1</a:t>
+                </a:r>
+              </a:p>
+            </p:txBody>
+          </p:sp>
+        </mc:Choice>
+        <mc:Fallback>
+          <p:sp>
+            <p:nvSpPr>
+              <p:cNvPr id="6" name="Subtitle 5">
+                <a:extLst>
+                  <a:ext uri="{FF2B5EF4-FFF2-40B4-BE49-F238E27FC236}">
+                    <a16:creationId xmlns:a16="http://schemas.microsoft.com/office/drawing/2014/main" id="{FECA52CE-B1FA-4A18-8EEA-7A5F6C8B083C}"/>
+                  </a:ext>
+                </a:extLst>
+              </p:cNvPr>
+              <p:cNvSpPr>
+                <a:spLocks noGrp="1" noRot="1" noChangeAspect="1" noMove="1" noResize="1" noEditPoints="1" noAdjustHandles="1" noChangeArrowheads="1" noChangeShapeType="1" noTextEdit="1"/>
+              </p:cNvSpPr>
+              <p:nvPr>
+                <p:ph type="subTitle" idx="1"/>
+              </p:nvPr>
+            </p:nvSpPr>
+            <p:spPr>
+              <a:blipFill>
+                <a:blip r:embed="rId2"/>
+                <a:stretch>
+                  <a:fillRect l="-979" t="-1220"/>
+                </a:stretch>
+              </a:blipFill>
+            </p:spPr>
+            <p:txBody>
+              <a:bodyPr/>
+              <a:lstStyle/>
+              <a:p>
+                <a:r>
+                  <a:rPr lang="en-US">
+                    <a:noFill/>
+                  </a:rPr>
+                  <a:t> </a:t>
+                </a:r>
+              </a:p>
+            </p:txBody>
+          </p:sp>
+        </mc:Fallback>
+      </mc:AlternateContent>
       <p:sp>
         <p:nvSpPr>
           <p:cNvPr id="2" name="Title 1">
@@ -12404,17 +12941,17 @@
           <a:p>
             <a:r>
               <a:rPr lang="en-US" dirty="0"/>
-              <a:t>ROC Curves</a:t>
+              <a:t>Receiver Operating Characteristics (ROC) Curves</a:t>
             </a:r>
           </a:p>
         </p:txBody>
       </p:sp>
       <p:sp>
         <p:nvSpPr>
-          <p:cNvPr id="3" name="Content Placeholder 2">
+          <p:cNvPr id="6" name="Content Placeholder 5">
             <a:extLst>
               <a:ext uri="{FF2B5EF4-FFF2-40B4-BE49-F238E27FC236}">
-                <a16:creationId xmlns:a16="http://schemas.microsoft.com/office/drawing/2014/main" id="{C55B189D-8018-4B5E-9BA6-FBE7AD7B51D5}"/>
+                <a16:creationId xmlns:a16="http://schemas.microsoft.com/office/drawing/2014/main" id="{9FE34000-0F43-4C2A-9349-242BAA9A3F30}"/>
               </a:ext>
             </a:extLst>
           </p:cNvPr>
@@ -12422,7 +12959,7 @@
             <a:spLocks noGrp="1"/>
           </p:cNvSpPr>
           <p:nvPr>
-            <p:ph idx="1"/>
+            <p:ph idx="13"/>
           </p:nvPr>
         </p:nvSpPr>
         <p:spPr/>
@@ -12430,7 +12967,19 @@
           <a:bodyPr/>
           <a:lstStyle/>
           <a:p>
-            <a:endParaRPr lang="en-US"/>
+            <a:r>
+              <a:rPr lang="en-US" dirty="0"/>
+              <a:t>A visual way to evaluate the performance of a model taking into account both sensitivity and specificity!</a:t>
+            </a:r>
+          </a:p>
+          <a:p>
+            <a:pPr marL="0" indent="0">
+              <a:buNone/>
+            </a:pPr>
+            <a:endParaRPr lang="en-US" dirty="0"/>
+          </a:p>
+          <a:p>
+            <a:endParaRPr lang="en-US" dirty="0"/>
           </a:p>
         </p:txBody>
       </p:sp>
@@ -12464,6 +13013,38 @@
           </a:p>
         </p:txBody>
       </p:sp>
+      <p:pic>
+        <p:nvPicPr>
+          <p:cNvPr id="7" name="Content Placeholder 6">
+            <a:extLst>
+              <a:ext uri="{FF2B5EF4-FFF2-40B4-BE49-F238E27FC236}">
+                <a16:creationId xmlns:a16="http://schemas.microsoft.com/office/drawing/2014/main" id="{D1B01D0B-048D-4751-8C37-08783B923EBE}"/>
+              </a:ext>
+            </a:extLst>
+          </p:cNvPr>
+          <p:cNvPicPr>
+            <a:picLocks noGrp="1" noChangeAspect="1"/>
+          </p:cNvPicPr>
+          <p:nvPr>
+            <p:ph idx="12"/>
+          </p:nvPr>
+        </p:nvPicPr>
+        <p:blipFill>
+          <a:blip r:embed="rId2"/>
+          <a:stretch>
+            <a:fillRect/>
+          </a:stretch>
+        </p:blipFill>
+        <p:spPr>
+          <a:xfrm>
+            <a:off x="5043684" y="976313"/>
+            <a:ext cx="3576245" cy="3529012"/>
+          </a:xfrm>
+          <a:prstGeom prst="rect">
+            <a:avLst/>
+          </a:prstGeom>
+        </p:spPr>
+      </p:pic>
     </p:spTree>
     <p:extLst>
       <p:ext uri="{BB962C8B-B14F-4D97-AF65-F5344CB8AC3E}">
@@ -12499,7 +13080,7 @@
           <p:cNvPr id="2" name="Title 1">
             <a:extLst>
               <a:ext uri="{FF2B5EF4-FFF2-40B4-BE49-F238E27FC236}">
-                <a16:creationId xmlns:a16="http://schemas.microsoft.com/office/drawing/2014/main" id="{980A6834-F862-447D-8F08-109667B60AFF}"/>
+                <a16:creationId xmlns:a16="http://schemas.microsoft.com/office/drawing/2014/main" id="{A0366C08-254C-4DE3-AF01-109FCB4A090F}"/>
               </a:ext>
             </a:extLst>
           </p:cNvPr>
@@ -12517,17 +13098,17 @@
           <a:p>
             <a:r>
               <a:rPr lang="en-US" dirty="0"/>
-              <a:t>Exercise</a:t>
+              <a:t>Receiver Operating Characteristics (ROC) Curves (Cont.)</a:t>
             </a:r>
           </a:p>
         </p:txBody>
       </p:sp>
       <p:sp>
         <p:nvSpPr>
-          <p:cNvPr id="3" name="Content Placeholder 2">
+          <p:cNvPr id="6" name="Content Placeholder 5">
             <a:extLst>
               <a:ext uri="{FF2B5EF4-FFF2-40B4-BE49-F238E27FC236}">
-                <a16:creationId xmlns:a16="http://schemas.microsoft.com/office/drawing/2014/main" id="{DFBFF424-DCC7-483B-97A8-3EF08C19114E}"/>
+                <a16:creationId xmlns:a16="http://schemas.microsoft.com/office/drawing/2014/main" id="{9FE34000-0F43-4C2A-9349-242BAA9A3F30}"/>
               </a:ext>
             </a:extLst>
           </p:cNvPr>
@@ -12535,7 +13116,7 @@
             <a:spLocks noGrp="1"/>
           </p:cNvSpPr>
           <p:nvPr>
-            <p:ph idx="1"/>
+            <p:ph idx="13"/>
           </p:nvPr>
         </p:nvSpPr>
         <p:spPr/>
@@ -12545,29 +13126,29 @@
           <a:p>
             <a:r>
               <a:rPr lang="en-US" dirty="0"/>
-              <a:t>For the Confusion Matrix below, please calculate the following metrics</a:t>
-            </a:r>
-          </a:p>
-          <a:p>
-            <a:pPr lvl="1"/>
+              <a:t>The closer to the top left that the classifier is, the better its performance</a:t>
+            </a:r>
+          </a:p>
+          <a:p>
             <a:r>
               <a:rPr lang="en-US" dirty="0"/>
-              <a:t>Accuracy</a:t>
-            </a:r>
-          </a:p>
-          <a:p>
-            <a:pPr lvl="1"/>
-            <a:r>
-              <a:rPr lang="en-US" dirty="0"/>
-              <a:t>Sensitivity</a:t>
-            </a:r>
-          </a:p>
-          <a:p>
-            <a:pPr lvl="1"/>
-            <a:r>
-              <a:rPr lang="en-US" dirty="0"/>
-              <a:t>Specificity</a:t>
-            </a:r>
+              <a:t>Dashed line in the middle is the same as 50-50 guessing</a:t>
+            </a:r>
+          </a:p>
+          <a:p>
+            <a:pPr marL="0" indent="0">
+              <a:buNone/>
+            </a:pPr>
+            <a:endParaRPr lang="en-US" dirty="0"/>
+          </a:p>
+          <a:p>
+            <a:pPr marL="0" indent="0">
+              <a:buNone/>
+            </a:pPr>
+            <a:endParaRPr lang="en-US" dirty="0"/>
+          </a:p>
+          <a:p>
+            <a:endParaRPr lang="en-US" dirty="0"/>
           </a:p>
         </p:txBody>
       </p:sp>
@@ -12576,7 +13157,7 @@
           <p:cNvPr id="4" name="Slide Number Placeholder 3">
             <a:extLst>
               <a:ext uri="{FF2B5EF4-FFF2-40B4-BE49-F238E27FC236}">
-                <a16:creationId xmlns:a16="http://schemas.microsoft.com/office/drawing/2014/main" id="{6A40A66E-EDEF-47FE-8E6A-725645502CD1}"/>
+                <a16:creationId xmlns:a16="http://schemas.microsoft.com/office/drawing/2014/main" id="{9374D8A6-B201-4E2F-B70D-28C72155609B}"/>
               </a:ext>
             </a:extLst>
           </p:cNvPr>
@@ -12601,10 +13182,42 @@
           </a:p>
         </p:txBody>
       </p:sp>
+      <p:pic>
+        <p:nvPicPr>
+          <p:cNvPr id="7" name="Content Placeholder 6">
+            <a:extLst>
+              <a:ext uri="{FF2B5EF4-FFF2-40B4-BE49-F238E27FC236}">
+                <a16:creationId xmlns:a16="http://schemas.microsoft.com/office/drawing/2014/main" id="{D1B01D0B-048D-4751-8C37-08783B923EBE}"/>
+              </a:ext>
+            </a:extLst>
+          </p:cNvPr>
+          <p:cNvPicPr>
+            <a:picLocks noGrp="1" noChangeAspect="1"/>
+          </p:cNvPicPr>
+          <p:nvPr>
+            <p:ph idx="12"/>
+          </p:nvPr>
+        </p:nvPicPr>
+        <p:blipFill>
+          <a:blip r:embed="rId2"/>
+          <a:stretch>
+            <a:fillRect/>
+          </a:stretch>
+        </p:blipFill>
+        <p:spPr>
+          <a:xfrm>
+            <a:off x="5043684" y="976313"/>
+            <a:ext cx="3576245" cy="3529012"/>
+          </a:xfrm>
+          <a:prstGeom prst="rect">
+            <a:avLst/>
+          </a:prstGeom>
+        </p:spPr>
+      </p:pic>
     </p:spTree>
     <p:extLst>
       <p:ext uri="{BB962C8B-B14F-4D97-AF65-F5344CB8AC3E}">
-        <p14:creationId xmlns:p14="http://schemas.microsoft.com/office/powerpoint/2010/main" val="1539123853"/>
+        <p14:creationId xmlns:p14="http://schemas.microsoft.com/office/powerpoint/2010/main" val="1476705534"/>
       </p:ext>
     </p:extLst>
   </p:cSld>
@@ -12636,7 +13249,7 @@
           <p:cNvPr id="2" name="Title 1">
             <a:extLst>
               <a:ext uri="{FF2B5EF4-FFF2-40B4-BE49-F238E27FC236}">
-                <a16:creationId xmlns:a16="http://schemas.microsoft.com/office/drawing/2014/main" id="{4FE90D33-CC7D-48AA-8D02-01EF53DF941F}"/>
+                <a16:creationId xmlns:a16="http://schemas.microsoft.com/office/drawing/2014/main" id="{A0366C08-254C-4DE3-AF01-109FCB4A090F}"/>
               </a:ext>
             </a:extLst>
           </p:cNvPr>
@@ -12654,17 +13267,17 @@
           <a:p>
             <a:r>
               <a:rPr lang="en-US" dirty="0"/>
-              <a:t>Exercise </a:t>
+              <a:t>Area Under the Curve (AUC)</a:t>
             </a:r>
           </a:p>
         </p:txBody>
       </p:sp>
       <p:sp>
         <p:nvSpPr>
-          <p:cNvPr id="3" name="Content Placeholder 2">
+          <p:cNvPr id="6" name="Content Placeholder 5">
             <a:extLst>
               <a:ext uri="{FF2B5EF4-FFF2-40B4-BE49-F238E27FC236}">
-                <a16:creationId xmlns:a16="http://schemas.microsoft.com/office/drawing/2014/main" id="{3DE47143-90A4-4593-91BD-43B1EDECBE4D}"/>
+                <a16:creationId xmlns:a16="http://schemas.microsoft.com/office/drawing/2014/main" id="{9FE34000-0F43-4C2A-9349-242BAA9A3F30}"/>
               </a:ext>
             </a:extLst>
           </p:cNvPr>
@@ -12672,22 +13285,54 @@
             <a:spLocks noGrp="1"/>
           </p:cNvSpPr>
           <p:nvPr>
-            <p:ph idx="1"/>
+            <p:ph idx="13"/>
           </p:nvPr>
         </p:nvSpPr>
         <p:spPr/>
         <p:txBody>
-          <a:bodyPr/>
+          <a:bodyPr>
+            <a:normAutofit fontScale="92500"/>
+          </a:bodyPr>
           <a:lstStyle/>
           <a:p>
             <a:r>
               <a:rPr lang="en-US" dirty="0"/>
-              <a:t>Compare ROC curves, which one </a:t>
-            </a:r>
-            <a:r>
-              <a:rPr lang="en-US"/>
-              <a:t>is better</a:t>
-            </a:r>
+              <a:t>The area under the curve (AUC) of an ROC curve will give us a quantitative measure about how well the model performs</a:t>
+            </a:r>
+          </a:p>
+          <a:p>
+            <a:pPr lvl="1"/>
+            <a:r>
+              <a:rPr lang="en-US" dirty="0"/>
+              <a:t>Ranges from 0 - 1</a:t>
+            </a:r>
+          </a:p>
+          <a:p>
+            <a:r>
+              <a:rPr lang="en-US" dirty="0"/>
+              <a:t>Higher the AUC value, the better the predictive ability</a:t>
+            </a:r>
+          </a:p>
+          <a:p>
+            <a:r>
+              <a:rPr lang="en-US" dirty="0"/>
+              <a:t>Dashed line in the middle has an AUC value of 0.5</a:t>
+            </a:r>
+          </a:p>
+          <a:p>
+            <a:pPr marL="0" indent="0">
+              <a:buNone/>
+            </a:pPr>
+            <a:endParaRPr lang="en-US" dirty="0"/>
+          </a:p>
+          <a:p>
+            <a:pPr marL="0" indent="0">
+              <a:buNone/>
+            </a:pPr>
+            <a:endParaRPr lang="en-US" dirty="0"/>
+          </a:p>
+          <a:p>
+            <a:endParaRPr lang="en-US" dirty="0"/>
           </a:p>
         </p:txBody>
       </p:sp>
@@ -12696,7 +13341,7 @@
           <p:cNvPr id="4" name="Slide Number Placeholder 3">
             <a:extLst>
               <a:ext uri="{FF2B5EF4-FFF2-40B4-BE49-F238E27FC236}">
-                <a16:creationId xmlns:a16="http://schemas.microsoft.com/office/drawing/2014/main" id="{1A80086A-5131-4C9C-B135-D57F392936BF}"/>
+                <a16:creationId xmlns:a16="http://schemas.microsoft.com/office/drawing/2014/main" id="{9374D8A6-B201-4E2F-B70D-28C72155609B}"/>
               </a:ext>
             </a:extLst>
           </p:cNvPr>
@@ -12721,10 +13366,59 @@
           </a:p>
         </p:txBody>
       </p:sp>
+      <p:pic>
+        <p:nvPicPr>
+          <p:cNvPr id="9" name="Picture 2">
+            <a:extLst>
+              <a:ext uri="{FF2B5EF4-FFF2-40B4-BE49-F238E27FC236}">
+                <a16:creationId xmlns:a16="http://schemas.microsoft.com/office/drawing/2014/main" id="{F586FEEE-7C02-465D-B7C0-681C03D80085}"/>
+              </a:ext>
+            </a:extLst>
+          </p:cNvPr>
+          <p:cNvPicPr>
+            <a:picLocks noGrp="1" noChangeAspect="1" noChangeArrowheads="1"/>
+          </p:cNvPicPr>
+          <p:nvPr>
+            <p:ph idx="12"/>
+          </p:nvPr>
+        </p:nvPicPr>
+        <p:blipFill>
+          <a:blip r:embed="rId2">
+            <a:extLst>
+              <a:ext uri="{28A0092B-C50C-407E-A947-70E740481C1C}">
+                <a14:useLocalDpi xmlns:a14="http://schemas.microsoft.com/office/drawing/2010/main" val="0"/>
+              </a:ext>
+            </a:extLst>
+          </a:blip>
+          <a:srcRect/>
+          <a:stretch>
+            <a:fillRect/>
+          </a:stretch>
+        </p:blipFill>
+        <p:spPr bwMode="auto">
+          <a:xfrm>
+            <a:off x="5112544" y="1169194"/>
+            <a:ext cx="3438525" cy="3143250"/>
+          </a:xfrm>
+          <a:prstGeom prst="rect">
+            <a:avLst/>
+          </a:prstGeom>
+          <a:noFill/>
+          <a:extLst>
+            <a:ext uri="{909E8E84-426E-40DD-AFC4-6F175D3DCCD1}">
+              <a14:hiddenFill xmlns:a14="http://schemas.microsoft.com/office/drawing/2010/main">
+                <a:solidFill>
+                  <a:srgbClr val="FFFFFF"/>
+                </a:solidFill>
+              </a14:hiddenFill>
+            </a:ext>
+          </a:extLst>
+        </p:spPr>
+      </p:pic>
     </p:spTree>
     <p:extLst>
       <p:ext uri="{BB962C8B-B14F-4D97-AF65-F5344CB8AC3E}">
-        <p14:creationId xmlns:p14="http://schemas.microsoft.com/office/powerpoint/2010/main" val="497700086"/>
+        <p14:creationId xmlns:p14="http://schemas.microsoft.com/office/powerpoint/2010/main" val="2962392326"/>
       </p:ext>
     </p:extLst>
   </p:cSld>
@@ -12753,6 +13447,274 @@
       </p:grpSpPr>
       <p:sp>
         <p:nvSpPr>
+          <p:cNvPr id="2" name="Title 1">
+            <a:extLst>
+              <a:ext uri="{FF2B5EF4-FFF2-40B4-BE49-F238E27FC236}">
+                <a16:creationId xmlns:a16="http://schemas.microsoft.com/office/drawing/2014/main" id="{980A6834-F862-447D-8F08-109667B60AFF}"/>
+              </a:ext>
+            </a:extLst>
+          </p:cNvPr>
+          <p:cNvSpPr>
+            <a:spLocks noGrp="1"/>
+          </p:cNvSpPr>
+          <p:nvPr>
+            <p:ph type="title"/>
+          </p:nvPr>
+        </p:nvSpPr>
+        <p:spPr/>
+        <p:txBody>
+          <a:bodyPr/>
+          <a:lstStyle/>
+          <a:p>
+            <a:r>
+              <a:rPr lang="en-US" dirty="0"/>
+              <a:t>Exercise</a:t>
+            </a:r>
+          </a:p>
+        </p:txBody>
+      </p:sp>
+      <p:sp>
+        <p:nvSpPr>
+          <p:cNvPr id="3" name="Content Placeholder 2">
+            <a:extLst>
+              <a:ext uri="{FF2B5EF4-FFF2-40B4-BE49-F238E27FC236}">
+                <a16:creationId xmlns:a16="http://schemas.microsoft.com/office/drawing/2014/main" id="{DFBFF424-DCC7-483B-97A8-3EF08C19114E}"/>
+              </a:ext>
+            </a:extLst>
+          </p:cNvPr>
+          <p:cNvSpPr>
+            <a:spLocks noGrp="1"/>
+          </p:cNvSpPr>
+          <p:nvPr>
+            <p:ph idx="1"/>
+          </p:nvPr>
+        </p:nvSpPr>
+        <p:spPr/>
+        <p:txBody>
+          <a:bodyPr/>
+          <a:lstStyle/>
+          <a:p>
+            <a:r>
+              <a:rPr lang="en-US" dirty="0"/>
+              <a:t>For the Confusion Matrix below, please calculate the following metrics</a:t>
+            </a:r>
+          </a:p>
+          <a:p>
+            <a:pPr lvl="1"/>
+            <a:r>
+              <a:rPr lang="en-US" dirty="0"/>
+              <a:t>Accuracy</a:t>
+            </a:r>
+          </a:p>
+          <a:p>
+            <a:pPr lvl="1"/>
+            <a:r>
+              <a:rPr lang="en-US" dirty="0"/>
+              <a:t>Sensitivity</a:t>
+            </a:r>
+          </a:p>
+          <a:p>
+            <a:pPr lvl="1"/>
+            <a:r>
+              <a:rPr lang="en-US" dirty="0"/>
+              <a:t>Specificity</a:t>
+            </a:r>
+          </a:p>
+          <a:p>
+            <a:r>
+              <a:rPr lang="en-US" dirty="0"/>
+              <a:t>Pretend case is predicting mortality from </a:t>
+            </a:r>
+            <a:r>
+              <a:rPr lang="en-US"/>
+              <a:t>the module</a:t>
+            </a:r>
+            <a:endParaRPr lang="en-US" dirty="0"/>
+          </a:p>
+        </p:txBody>
+      </p:sp>
+      <p:sp>
+        <p:nvSpPr>
+          <p:cNvPr id="4" name="Slide Number Placeholder 3">
+            <a:extLst>
+              <a:ext uri="{FF2B5EF4-FFF2-40B4-BE49-F238E27FC236}">
+                <a16:creationId xmlns:a16="http://schemas.microsoft.com/office/drawing/2014/main" id="{6A40A66E-EDEF-47FE-8E6A-725645502CD1}"/>
+              </a:ext>
+            </a:extLst>
+          </p:cNvPr>
+          <p:cNvSpPr>
+            <a:spLocks noGrp="1"/>
+          </p:cNvSpPr>
+          <p:nvPr>
+            <p:ph type="sldNum" sz="quarter" idx="4"/>
+          </p:nvPr>
+        </p:nvSpPr>
+        <p:spPr/>
+        <p:txBody>
+          <a:bodyPr/>
+          <a:lstStyle/>
+          <a:p>
+            <a:fld id="{263E268E-DA18-874E-8CBA-6F80F366F288}" type="slidenum">
+              <a:rPr lang="en-US" smtClean="0"/>
+              <a:pPr/>
+              <a:t>34</a:t>
+            </a:fld>
+            <a:endParaRPr lang="en-US" dirty="0"/>
+          </a:p>
+        </p:txBody>
+      </p:sp>
+    </p:spTree>
+    <p:extLst>
+      <p:ext uri="{BB962C8B-B14F-4D97-AF65-F5344CB8AC3E}">
+        <p14:creationId xmlns:p14="http://schemas.microsoft.com/office/powerpoint/2010/main" val="1539123853"/>
+      </p:ext>
+    </p:extLst>
+  </p:cSld>
+  <p:clrMapOvr>
+    <a:masterClrMapping/>
+  </p:clrMapOvr>
+</p:sld>
+</file>
+
+<file path=ppt/slides/slide35.xml><?xml version="1.0" encoding="utf-8"?>
+<p:sld xmlns:a="http://schemas.openxmlformats.org/drawingml/2006/main" xmlns:r="http://schemas.openxmlformats.org/officeDocument/2006/relationships" xmlns:p="http://schemas.openxmlformats.org/presentationml/2006/main">
+  <p:cSld>
+    <p:spTree>
+      <p:nvGrpSpPr>
+        <p:cNvPr id="1" name=""/>
+        <p:cNvGrpSpPr/>
+        <p:nvPr/>
+      </p:nvGrpSpPr>
+      <p:grpSpPr>
+        <a:xfrm>
+          <a:off x="0" y="0"/>
+          <a:ext cx="0" cy="0"/>
+          <a:chOff x="0" y="0"/>
+          <a:chExt cx="0" cy="0"/>
+        </a:xfrm>
+      </p:grpSpPr>
+      <p:sp>
+        <p:nvSpPr>
+          <p:cNvPr id="2" name="Title 1">
+            <a:extLst>
+              <a:ext uri="{FF2B5EF4-FFF2-40B4-BE49-F238E27FC236}">
+                <a16:creationId xmlns:a16="http://schemas.microsoft.com/office/drawing/2014/main" id="{4FE90D33-CC7D-48AA-8D02-01EF53DF941F}"/>
+              </a:ext>
+            </a:extLst>
+          </p:cNvPr>
+          <p:cNvSpPr>
+            <a:spLocks noGrp="1"/>
+          </p:cNvSpPr>
+          <p:nvPr>
+            <p:ph type="title"/>
+          </p:nvPr>
+        </p:nvSpPr>
+        <p:spPr/>
+        <p:txBody>
+          <a:bodyPr/>
+          <a:lstStyle/>
+          <a:p>
+            <a:r>
+              <a:rPr lang="en-US" dirty="0"/>
+              <a:t>Exercise </a:t>
+            </a:r>
+          </a:p>
+        </p:txBody>
+      </p:sp>
+      <p:sp>
+        <p:nvSpPr>
+          <p:cNvPr id="3" name="Content Placeholder 2">
+            <a:extLst>
+              <a:ext uri="{FF2B5EF4-FFF2-40B4-BE49-F238E27FC236}">
+                <a16:creationId xmlns:a16="http://schemas.microsoft.com/office/drawing/2014/main" id="{3DE47143-90A4-4593-91BD-43B1EDECBE4D}"/>
+              </a:ext>
+            </a:extLst>
+          </p:cNvPr>
+          <p:cNvSpPr>
+            <a:spLocks noGrp="1"/>
+          </p:cNvSpPr>
+          <p:nvPr>
+            <p:ph idx="1"/>
+          </p:nvPr>
+        </p:nvSpPr>
+        <p:spPr/>
+        <p:txBody>
+          <a:bodyPr/>
+          <a:lstStyle/>
+          <a:p>
+            <a:r>
+              <a:rPr lang="en-US" dirty="0"/>
+              <a:t>Compare ROC curves, which one </a:t>
+            </a:r>
+            <a:r>
+              <a:rPr lang="en-US"/>
+              <a:t>is better</a:t>
+            </a:r>
+          </a:p>
+        </p:txBody>
+      </p:sp>
+      <p:sp>
+        <p:nvSpPr>
+          <p:cNvPr id="4" name="Slide Number Placeholder 3">
+            <a:extLst>
+              <a:ext uri="{FF2B5EF4-FFF2-40B4-BE49-F238E27FC236}">
+                <a16:creationId xmlns:a16="http://schemas.microsoft.com/office/drawing/2014/main" id="{1A80086A-5131-4C9C-B135-D57F392936BF}"/>
+              </a:ext>
+            </a:extLst>
+          </p:cNvPr>
+          <p:cNvSpPr>
+            <a:spLocks noGrp="1"/>
+          </p:cNvSpPr>
+          <p:nvPr>
+            <p:ph type="sldNum" sz="quarter" idx="4"/>
+          </p:nvPr>
+        </p:nvSpPr>
+        <p:spPr/>
+        <p:txBody>
+          <a:bodyPr/>
+          <a:lstStyle/>
+          <a:p>
+            <a:fld id="{263E268E-DA18-874E-8CBA-6F80F366F288}" type="slidenum">
+              <a:rPr lang="en-US" smtClean="0"/>
+              <a:pPr/>
+              <a:t>35</a:t>
+            </a:fld>
+            <a:endParaRPr lang="en-US" dirty="0"/>
+          </a:p>
+        </p:txBody>
+      </p:sp>
+    </p:spTree>
+    <p:extLst>
+      <p:ext uri="{BB962C8B-B14F-4D97-AF65-F5344CB8AC3E}">
+        <p14:creationId xmlns:p14="http://schemas.microsoft.com/office/powerpoint/2010/main" val="497700086"/>
+      </p:ext>
+    </p:extLst>
+  </p:cSld>
+  <p:clrMapOvr>
+    <a:masterClrMapping/>
+  </p:clrMapOvr>
+</p:sld>
+</file>
+
+<file path=ppt/slides/slide36.xml><?xml version="1.0" encoding="utf-8"?>
+<p:sld xmlns:a="http://schemas.openxmlformats.org/drawingml/2006/main" xmlns:r="http://schemas.openxmlformats.org/officeDocument/2006/relationships" xmlns:p="http://schemas.openxmlformats.org/presentationml/2006/main">
+  <p:cSld>
+    <p:spTree>
+      <p:nvGrpSpPr>
+        <p:cNvPr id="1" name=""/>
+        <p:cNvGrpSpPr/>
+        <p:nvPr/>
+      </p:nvGrpSpPr>
+      <p:grpSpPr>
+        <a:xfrm>
+          <a:off x="0" y="0"/>
+          <a:ext cx="0" cy="0"/>
+          <a:chOff x="0" y="0"/>
+          <a:chExt cx="0" cy="0"/>
+        </a:xfrm>
+      </p:grpSpPr>
+      <p:sp>
+        <p:nvSpPr>
           <p:cNvPr id="5" name="Title 4">
             <a:extLst>
               <a:ext uri="{FF2B5EF4-FFF2-40B4-BE49-F238E27FC236}">
@@ -12836,7 +13798,7 @@
             <a:fld id="{263E268E-DA18-874E-8CBA-6F80F366F288}" type="slidenum">
               <a:rPr lang="en-US" smtClean="0"/>
               <a:pPr/>
-              <a:t>34</a:t>
+              <a:t>36</a:t>
             </a:fld>
             <a:endParaRPr lang="en-US" dirty="0"/>
           </a:p>
@@ -12855,7 +13817,7 @@
 </p:sld>
 </file>
 
-<file path=ppt/slides/slide35.xml><?xml version="1.0" encoding="utf-8"?>
+<file path=ppt/slides/slide37.xml><?xml version="1.0" encoding="utf-8"?>
 <p:sld xmlns:a="http://schemas.openxmlformats.org/drawingml/2006/main" xmlns:r="http://schemas.openxmlformats.org/officeDocument/2006/relationships" xmlns:p="http://schemas.openxmlformats.org/presentationml/2006/main">
   <p:cSld>
     <p:spTree>
